--- a/Yuki_K/斜め問題.pptx
+++ b/Yuki_K/斜め問題.pptx
@@ -1364,7 +1364,7 @@
           <a:effectLst/>
           <a:extLst>
             <a:ext uri="{91240B29-F687-4f45-9708-019B960494DF}">
-              <a14:hiddenLine xmlns="" xmlns:a14="http://schemas.microsoft.com/office/drawing/2010/main" w="9525">
+              <a14:hiddenLine xmlns:a14="http://schemas.microsoft.com/office/drawing/2010/main" xmlns="" w="9525">
                 <a:solidFill>
                   <a:srgbClr val="000000"/>
                 </a:solidFill>
@@ -2873,7 +2873,7 @@
           <a:ln/>
           <a:extLst>
             <a:ext uri="{91240B29-F687-4f45-9708-019B960494DF}">
-              <a14:hiddenLine xmlns="" xmlns:a14="http://schemas.microsoft.com/office/drawing/2010/main" w="9525">
+              <a14:hiddenLine xmlns:a14="http://schemas.microsoft.com/office/drawing/2010/main" xmlns="" w="9525">
                 <a:solidFill>
                   <a:srgbClr val="000000"/>
                 </a:solidFill>
@@ -3191,7 +3191,7 @@
           <a:ln/>
           <a:extLst>
             <a:ext uri="{91240B29-F687-4f45-9708-019B960494DF}">
-              <a14:hiddenLine xmlns="" xmlns:a14="http://schemas.microsoft.com/office/drawing/2010/main" w="9525">
+              <a14:hiddenLine xmlns:a14="http://schemas.microsoft.com/office/drawing/2010/main" xmlns="" w="9525">
                 <a:solidFill>
                   <a:srgbClr val="000000"/>
                 </a:solidFill>
@@ -3517,7 +3517,7 @@
           <a:ln/>
           <a:extLst>
             <a:ext uri="{91240B29-F687-4f45-9708-019B960494DF}">
-              <a14:hiddenLine xmlns="" xmlns:a14="http://schemas.microsoft.com/office/drawing/2010/main" w="9525">
+              <a14:hiddenLine xmlns:a14="http://schemas.microsoft.com/office/drawing/2010/main" xmlns="" w="9525">
                 <a:solidFill>
                   <a:srgbClr val="000000"/>
                 </a:solidFill>
@@ -4209,7 +4209,7 @@
           <a:ln/>
           <a:extLst>
             <a:ext uri="{91240B29-F687-4f45-9708-019B960494DF}">
-              <a14:hiddenLine xmlns="" xmlns:a14="http://schemas.microsoft.com/office/drawing/2010/main" w="9525">
+              <a14:hiddenLine xmlns:a14="http://schemas.microsoft.com/office/drawing/2010/main" xmlns="" w="9525">
                 <a:solidFill>
                   <a:srgbClr val="000000"/>
                 </a:solidFill>
@@ -4623,7 +4623,7 @@
           <a:ln/>
           <a:extLst>
             <a:ext uri="{91240B29-F687-4f45-9708-019B960494DF}">
-              <a14:hiddenLine xmlns="" xmlns:a14="http://schemas.microsoft.com/office/drawing/2010/main" w="9525">
+              <a14:hiddenLine xmlns:a14="http://schemas.microsoft.com/office/drawing/2010/main" xmlns="" w="9525">
                 <a:solidFill>
                   <a:srgbClr val="000000"/>
                 </a:solidFill>
@@ -5175,7 +5175,7 @@
           <a:ln/>
           <a:extLst>
             <a:ext uri="{91240B29-F687-4f45-9708-019B960494DF}">
-              <a14:hiddenLine xmlns="" xmlns:a14="http://schemas.microsoft.com/office/drawing/2010/main" w="9525">
+              <a14:hiddenLine xmlns:a14="http://schemas.microsoft.com/office/drawing/2010/main" xmlns="" w="9525">
                 <a:solidFill>
                   <a:srgbClr val="000000"/>
                 </a:solidFill>
@@ -5626,7 +5626,7 @@
           <a:ln/>
           <a:extLst>
             <a:ext uri="{91240B29-F687-4f45-9708-019B960494DF}">
-              <a14:hiddenLine xmlns="" xmlns:a14="http://schemas.microsoft.com/office/drawing/2010/main" w="9525">
+              <a14:hiddenLine xmlns:a14="http://schemas.microsoft.com/office/drawing/2010/main" xmlns="" w="9525">
                 <a:solidFill>
                   <a:srgbClr val="000000"/>
                 </a:solidFill>
@@ -7031,11 +7031,11 @@
   <p:clrMapOvr>
     <a:masterClrMapping/>
   </p:clrMapOvr>
-  <mc:AlternateContent xmlns:mc="http://schemas.openxmlformats.org/markup-compatibility/2006">
-    <mc:Choice xmlns:p14="http://schemas.microsoft.com/office/powerpoint/2010/main" Requires="p14">
+  <mc:AlternateContent xmlns:mc="http://schemas.openxmlformats.org/markup-compatibility/2006" xmlns:p14="http://schemas.microsoft.com/office/powerpoint/2010/main">
+    <mc:Choice Requires="p14">
       <p:transition spd="slow" p14:dur="2000" advTm="2616"/>
     </mc:Choice>
-    <mc:Fallback>
+    <mc:Fallback xmlns="">
       <p:transition spd="slow" advTm="2616"/>
     </mc:Fallback>
   </mc:AlternateContent>
@@ -8480,11 +8480,11 @@
   <p:clrMapOvr>
     <a:masterClrMapping/>
   </p:clrMapOvr>
-  <mc:AlternateContent xmlns:mc="http://schemas.openxmlformats.org/markup-compatibility/2006">
-    <mc:Choice xmlns:p14="http://schemas.microsoft.com/office/powerpoint/2010/main" Requires="p14">
+  <mc:AlternateContent xmlns:mc="http://schemas.openxmlformats.org/markup-compatibility/2006" xmlns:p14="http://schemas.microsoft.com/office/powerpoint/2010/main">
+    <mc:Choice Requires="p14">
       <p:transition spd="slow" p14:dur="2000" advTm="1069"/>
     </mc:Choice>
-    <mc:Fallback>
+    <mc:Fallback xmlns="">
       <p:transition spd="slow" advTm="1069"/>
     </mc:Fallback>
   </mc:AlternateContent>
@@ -9964,11 +9964,11 @@
   <p:clrMapOvr>
     <a:masterClrMapping/>
   </p:clrMapOvr>
-  <mc:AlternateContent xmlns:mc="http://schemas.openxmlformats.org/markup-compatibility/2006">
-    <mc:Choice xmlns:p14="http://schemas.microsoft.com/office/powerpoint/2010/main" Requires="p14">
+  <mc:AlternateContent xmlns:mc="http://schemas.openxmlformats.org/markup-compatibility/2006" xmlns:p14="http://schemas.microsoft.com/office/powerpoint/2010/main">
+    <mc:Choice Requires="p14">
       <p:transition spd="slow" p14:dur="2000" advTm="2197"/>
     </mc:Choice>
-    <mc:Fallback>
+    <mc:Fallback xmlns="">
       <p:transition spd="slow" advTm="2197"/>
     </mc:Fallback>
   </mc:AlternateContent>
@@ -11418,11 +11418,11 @@
   <p:clrMapOvr>
     <a:masterClrMapping/>
   </p:clrMapOvr>
-  <mc:AlternateContent xmlns:mc="http://schemas.openxmlformats.org/markup-compatibility/2006">
-    <mc:Choice xmlns:p14="http://schemas.microsoft.com/office/powerpoint/2010/main" Requires="p14">
+  <mc:AlternateContent xmlns:mc="http://schemas.openxmlformats.org/markup-compatibility/2006" xmlns:p14="http://schemas.microsoft.com/office/powerpoint/2010/main">
+    <mc:Choice Requires="p14">
       <p:transition spd="slow" p14:dur="2000" advTm="1428"/>
     </mc:Choice>
-    <mc:Fallback>
+    <mc:Fallback xmlns="">
       <p:transition spd="slow" advTm="1428"/>
     </mc:Fallback>
   </mc:AlternateContent>
@@ -12901,11 +12901,11 @@
   <p:clrMapOvr>
     <a:masterClrMapping/>
   </p:clrMapOvr>
-  <mc:AlternateContent xmlns:mc="http://schemas.openxmlformats.org/markup-compatibility/2006">
-    <mc:Choice xmlns:p14="http://schemas.microsoft.com/office/powerpoint/2010/main" Requires="p14">
+  <mc:AlternateContent xmlns:mc="http://schemas.openxmlformats.org/markup-compatibility/2006" xmlns:p14="http://schemas.microsoft.com/office/powerpoint/2010/main">
+    <mc:Choice Requires="p14">
       <p:transition spd="slow" p14:dur="2000" advTm="1274"/>
     </mc:Choice>
-    <mc:Fallback>
+    <mc:Fallback xmlns="">
       <p:transition spd="slow" advTm="1274"/>
     </mc:Fallback>
   </mc:AlternateContent>
@@ -13114,11 +13114,11 @@
   <p:clrMapOvr>
     <a:masterClrMapping/>
   </p:clrMapOvr>
-  <mc:AlternateContent xmlns:mc="http://schemas.openxmlformats.org/markup-compatibility/2006">
-    <mc:Choice xmlns:p14="http://schemas.microsoft.com/office/powerpoint/2010/main" Requires="p14">
+  <mc:AlternateContent xmlns:mc="http://schemas.openxmlformats.org/markup-compatibility/2006" xmlns:p14="http://schemas.microsoft.com/office/powerpoint/2010/main">
+    <mc:Choice Requires="p14">
       <p:transition spd="slow" p14:dur="2000" advTm="1305"/>
     </mc:Choice>
-    <mc:Fallback>
+    <mc:Fallback xmlns="">
       <p:transition spd="slow" advTm="1305"/>
     </mc:Fallback>
   </mc:AlternateContent>
@@ -13334,11 +13334,11 @@
   <p:clrMapOvr>
     <a:masterClrMapping/>
   </p:clrMapOvr>
-  <mc:AlternateContent xmlns:mc="http://schemas.openxmlformats.org/markup-compatibility/2006">
-    <mc:Choice xmlns:p14="http://schemas.microsoft.com/office/powerpoint/2010/main" Requires="p14">
+  <mc:AlternateContent xmlns:mc="http://schemas.openxmlformats.org/markup-compatibility/2006" xmlns:p14="http://schemas.microsoft.com/office/powerpoint/2010/main">
+    <mc:Choice Requires="p14">
       <p:transition spd="slow" p14:dur="2000" advTm="2226"/>
     </mc:Choice>
-    <mc:Fallback>
+    <mc:Fallback xmlns="">
       <p:transition spd="slow" advTm="2226"/>
     </mc:Fallback>
   </mc:AlternateContent>
@@ -14168,11 +14168,11 @@
   <p:clrMapOvr>
     <a:masterClrMapping/>
   </p:clrMapOvr>
-  <mc:AlternateContent xmlns:mc="http://schemas.openxmlformats.org/markup-compatibility/2006">
-    <mc:Choice xmlns:p14="http://schemas.microsoft.com/office/powerpoint/2010/main" Requires="p14">
+  <mc:AlternateContent xmlns:mc="http://schemas.openxmlformats.org/markup-compatibility/2006" xmlns:p14="http://schemas.microsoft.com/office/powerpoint/2010/main">
+    <mc:Choice Requires="p14">
       <p:transition spd="slow" p14:dur="2000" advTm="1201"/>
     </mc:Choice>
-    <mc:Fallback>
+    <mc:Fallback xmlns="">
       <p:transition spd="slow" advTm="1201"/>
     </mc:Fallback>
   </mc:AlternateContent>
@@ -15018,11 +15018,11 @@
   <p:clrMapOvr>
     <a:masterClrMapping/>
   </p:clrMapOvr>
-  <mc:AlternateContent xmlns:mc="http://schemas.openxmlformats.org/markup-compatibility/2006">
-    <mc:Choice xmlns:p14="http://schemas.microsoft.com/office/powerpoint/2010/main" Requires="p14">
+  <mc:AlternateContent xmlns:mc="http://schemas.openxmlformats.org/markup-compatibility/2006" xmlns:p14="http://schemas.microsoft.com/office/powerpoint/2010/main">
+    <mc:Choice Requires="p14">
       <p:transition spd="slow" p14:dur="2000" advTm="5901"/>
     </mc:Choice>
-    <mc:Fallback>
+    <mc:Fallback xmlns="">
       <p:transition spd="slow" advTm="5901"/>
     </mc:Fallback>
   </mc:AlternateContent>
@@ -15169,11 +15169,11 @@
   <p:clrMapOvr>
     <a:masterClrMapping/>
   </p:clrMapOvr>
-  <mc:AlternateContent xmlns:mc="http://schemas.openxmlformats.org/markup-compatibility/2006">
-    <mc:Choice xmlns:p14="http://schemas.microsoft.com/office/powerpoint/2010/main" Requires="p14">
+  <mc:AlternateContent xmlns:mc="http://schemas.openxmlformats.org/markup-compatibility/2006" xmlns:p14="http://schemas.microsoft.com/office/powerpoint/2010/main">
+    <mc:Choice Requires="p14">
       <p:transition spd="slow" p14:dur="2000" advTm="4026"/>
     </mc:Choice>
-    <mc:Fallback>
+    <mc:Fallback xmlns="">
       <p:transition spd="slow" advTm="4026"/>
     </mc:Fallback>
   </mc:AlternateContent>
@@ -15923,11 +15923,11 @@
   <p:clrMapOvr>
     <a:masterClrMapping/>
   </p:clrMapOvr>
-  <mc:AlternateContent xmlns:mc="http://schemas.openxmlformats.org/markup-compatibility/2006">
-    <mc:Choice xmlns:p14="http://schemas.microsoft.com/office/powerpoint/2010/main" Requires="p14">
+  <mc:AlternateContent xmlns:mc="http://schemas.openxmlformats.org/markup-compatibility/2006" xmlns:p14="http://schemas.microsoft.com/office/powerpoint/2010/main">
+    <mc:Choice Requires="p14">
       <p:transition spd="slow" p14:dur="2000" advTm="2812"/>
     </mc:Choice>
-    <mc:Fallback>
+    <mc:Fallback xmlns="">
       <p:transition spd="slow" advTm="2812"/>
     </mc:Fallback>
   </mc:AlternateContent>
@@ -16687,11 +16687,11 @@
   <p:clrMapOvr>
     <a:masterClrMapping/>
   </p:clrMapOvr>
-  <mc:AlternateContent xmlns:mc="http://schemas.openxmlformats.org/markup-compatibility/2006">
-    <mc:Choice xmlns:p14="http://schemas.microsoft.com/office/powerpoint/2010/main" Requires="p14">
+  <mc:AlternateContent xmlns:mc="http://schemas.openxmlformats.org/markup-compatibility/2006" xmlns:p14="http://schemas.microsoft.com/office/powerpoint/2010/main">
+    <mc:Choice Requires="p14">
       <p:transition spd="slow" p14:dur="2000" advTm="1057"/>
     </mc:Choice>
-    <mc:Fallback>
+    <mc:Fallback xmlns="">
       <p:transition spd="slow" advTm="1057"/>
     </mc:Fallback>
   </mc:AlternateContent>
@@ -17461,11 +17461,11 @@
   <p:clrMapOvr>
     <a:masterClrMapping/>
   </p:clrMapOvr>
-  <mc:AlternateContent xmlns:mc="http://schemas.openxmlformats.org/markup-compatibility/2006">
-    <mc:Choice xmlns:p14="http://schemas.microsoft.com/office/powerpoint/2010/main" Requires="p14">
+  <mc:AlternateContent xmlns:mc="http://schemas.openxmlformats.org/markup-compatibility/2006" xmlns:p14="http://schemas.microsoft.com/office/powerpoint/2010/main">
+    <mc:Choice Requires="p14">
       <p:transition spd="slow" p14:dur="2000" advTm="846"/>
     </mc:Choice>
-    <mc:Fallback>
+    <mc:Fallback xmlns="">
       <p:transition spd="slow" advTm="846"/>
     </mc:Fallback>
   </mc:AlternateContent>
@@ -18242,11 +18242,11 @@
   <p:clrMapOvr>
     <a:masterClrMapping/>
   </p:clrMapOvr>
-  <mc:AlternateContent xmlns:mc="http://schemas.openxmlformats.org/markup-compatibility/2006">
-    <mc:Choice xmlns:p14="http://schemas.microsoft.com/office/powerpoint/2010/main" Requires="p14">
+  <mc:AlternateContent xmlns:mc="http://schemas.openxmlformats.org/markup-compatibility/2006" xmlns:p14="http://schemas.microsoft.com/office/powerpoint/2010/main">
+    <mc:Choice Requires="p14">
       <p:transition spd="slow" p14:dur="2000" advTm="1200"/>
     </mc:Choice>
-    <mc:Fallback>
+    <mc:Fallback xmlns="">
       <p:transition spd="slow" advTm="1200"/>
     </mc:Fallback>
   </mc:AlternateContent>
@@ -19042,11 +19042,11 @@
   <p:clrMapOvr>
     <a:masterClrMapping/>
   </p:clrMapOvr>
-  <mc:AlternateContent xmlns:mc="http://schemas.openxmlformats.org/markup-compatibility/2006">
-    <mc:Choice xmlns:p14="http://schemas.microsoft.com/office/powerpoint/2010/main" Requires="p14">
+  <mc:AlternateContent xmlns:mc="http://schemas.openxmlformats.org/markup-compatibility/2006" xmlns:p14="http://schemas.microsoft.com/office/powerpoint/2010/main">
+    <mc:Choice Requires="p14">
       <p:transition spd="slow" p14:dur="2000" advTm="1556"/>
     </mc:Choice>
-    <mc:Fallback>
+    <mc:Fallback xmlns="">
       <p:transition spd="slow" advTm="1556"/>
     </mc:Fallback>
   </mc:AlternateContent>
@@ -20472,11 +20472,11 @@
   <p:clrMapOvr>
     <a:masterClrMapping/>
   </p:clrMapOvr>
-  <mc:AlternateContent xmlns:mc="http://schemas.openxmlformats.org/markup-compatibility/2006">
-    <mc:Choice xmlns:p14="http://schemas.microsoft.com/office/powerpoint/2010/main" Requires="p14">
+  <mc:AlternateContent xmlns:mc="http://schemas.openxmlformats.org/markup-compatibility/2006" xmlns:p14="http://schemas.microsoft.com/office/powerpoint/2010/main">
+    <mc:Choice Requires="p14">
       <p:transition spd="slow" p14:dur="2000" advTm="1553"/>
     </mc:Choice>
-    <mc:Fallback>
+    <mc:Fallback xmlns="">
       <p:transition spd="slow" advTm="1553"/>
     </mc:Fallback>
   </mc:AlternateContent>
@@ -21920,11 +21920,11 @@
   <p:clrMapOvr>
     <a:masterClrMapping/>
   </p:clrMapOvr>
-  <mc:AlternateContent xmlns:mc="http://schemas.openxmlformats.org/markup-compatibility/2006">
-    <mc:Choice xmlns:p14="http://schemas.microsoft.com/office/powerpoint/2010/main" Requires="p14">
+  <mc:AlternateContent xmlns:mc="http://schemas.openxmlformats.org/markup-compatibility/2006" xmlns:p14="http://schemas.microsoft.com/office/powerpoint/2010/main">
+    <mc:Choice Requires="p14">
       <p:transition spd="slow" p14:dur="2000" advTm="1605"/>
     </mc:Choice>
-    <mc:Fallback>
+    <mc:Fallback xmlns="">
       <p:transition spd="slow" advTm="1605"/>
     </mc:Fallback>
   </mc:AlternateContent>
@@ -23376,11 +23376,11 @@
   <p:clrMapOvr>
     <a:masterClrMapping/>
   </p:clrMapOvr>
-  <mc:AlternateContent xmlns:mc="http://schemas.openxmlformats.org/markup-compatibility/2006">
-    <mc:Choice xmlns:p14="http://schemas.microsoft.com/office/powerpoint/2010/main" Requires="p14">
+  <mc:AlternateContent xmlns:mc="http://schemas.openxmlformats.org/markup-compatibility/2006" xmlns:p14="http://schemas.microsoft.com/office/powerpoint/2010/main">
+    <mc:Choice Requires="p14">
       <p:transition spd="slow" p14:dur="2000" advTm="2241"/>
     </mc:Choice>
-    <mc:Fallback>
+    <mc:Fallback xmlns="">
       <p:transition spd="slow" advTm="2241"/>
     </mc:Fallback>
   </mc:AlternateContent>
